--- a/Four Color Theorem.pptx
+++ b/Four Color Theorem.pptx
@@ -15,16 +15,25 @@
     <p:sldId id="260" r:id="rId10"/>
     <p:sldId id="261" r:id="rId11"/>
     <p:sldId id="262" r:id="rId12"/>
+    <p:sldId id="263" r:id="rId13"/>
+    <p:sldId id="264" r:id="rId14"/>
   </p:sldIdLst>
   <p:sldSz cy="5143500" cx="9144000"/>
   <p:notesSz cx="6858000" cy="9144000"/>
   <p:embeddedFontLst>
     <p:embeddedFont>
+      <p:font typeface="Roboto"/>
+      <p:regular r:id="rId15"/>
+      <p:bold r:id="rId16"/>
+      <p:italic r:id="rId17"/>
+      <p:boldItalic r:id="rId18"/>
+    </p:embeddedFont>
+    <p:embeddedFont>
       <p:font typeface="Nunito"/>
-      <p:regular r:id="rId13"/>
-      <p:bold r:id="rId14"/>
-      <p:italic r:id="rId15"/>
-      <p:boldItalic r:id="rId16"/>
+      <p:regular r:id="rId19"/>
+      <p:bold r:id="rId20"/>
+      <p:italic r:id="rId21"/>
+      <p:boldItalic r:id="rId22"/>
     </p:embeddedFont>
   </p:embeddedFontLst>
   <p:defaultTextStyle>
@@ -916,7 +925,7 @@
       </p:grpSpPr>
       <p:sp>
         <p:nvSpPr>
-          <p:cNvPr id="137" name="Google Shape;137;g56770da1a8_0_124:notes"/>
+          <p:cNvPr id="137" name="Google Shape;137;g56770da1a8_0_132:notes"/>
           <p:cNvSpPr/>
           <p:nvPr>
             <p:ph idx="2" type="sldImg"/>
@@ -951,7 +960,7 @@
       </p:sp>
       <p:sp>
         <p:nvSpPr>
-          <p:cNvPr id="138" name="Google Shape;138;g56770da1a8_0_124:notes"/>
+          <p:cNvPr id="138" name="Google Shape;138;g56770da1a8_0_132:notes"/>
           <p:cNvSpPr txBox="1"/>
           <p:nvPr>
             <p:ph idx="1" type="body"/>
@@ -982,8 +991,7 @@
               <a:buNone/>
             </a:pPr>
             <a:r>
-              <a:rPr lang="en"/>
-              <a:t>1936 Configurations were on this list, that’s why this was the first computer assisted proof. Nowadays it has shortened to 1428 cases.</a:t>
+              <a:t/>
             </a:r>
             <a:endParaRPr/>
           </a:p>
@@ -1002,7 +1010,7 @@
   <p:cSld>
     <p:spTree>
       <p:nvGrpSpPr>
-        <p:cNvPr id="143" name="Shape 143"/>
+        <p:cNvPr id="142" name="Shape 142"/>
         <p:cNvGrpSpPr/>
         <p:nvPr/>
       </p:nvGrpSpPr>
@@ -1016,7 +1024,7 @@
       </p:grpSpPr>
       <p:sp>
         <p:nvSpPr>
-          <p:cNvPr id="144" name="Google Shape;144;g56770da1a8_0_132:notes"/>
+          <p:cNvPr id="143" name="Google Shape;143;g56770da1a8_0_138:notes"/>
           <p:cNvSpPr/>
           <p:nvPr>
             <p:ph idx="2" type="sldImg"/>
@@ -1051,7 +1059,7 @@
       </p:sp>
       <p:sp>
         <p:nvSpPr>
-          <p:cNvPr id="145" name="Google Shape;145;g56770da1a8_0_132:notes"/>
+          <p:cNvPr id="144" name="Google Shape;144;g56770da1a8_0_138:notes"/>
           <p:cNvSpPr txBox="1"/>
           <p:nvPr>
             <p:ph idx="1" type="body"/>
@@ -1101,7 +1109,7 @@
   <p:cSld>
     <p:spTree>
       <p:nvGrpSpPr>
-        <p:cNvPr id="149" name="Shape 149"/>
+        <p:cNvPr id="151" name="Shape 151"/>
         <p:cNvGrpSpPr/>
         <p:nvPr/>
       </p:nvGrpSpPr>
@@ -1115,7 +1123,7 @@
       </p:grpSpPr>
       <p:sp>
         <p:nvSpPr>
-          <p:cNvPr id="150" name="Google Shape;150;g56770da1a8_0_138:notes"/>
+          <p:cNvPr id="152" name="Google Shape;152;g580c61f9c3_0_6:notes"/>
           <p:cNvSpPr/>
           <p:nvPr>
             <p:ph idx="2" type="sldImg"/>
@@ -1150,7 +1158,7 @@
       </p:sp>
       <p:sp>
         <p:nvSpPr>
-          <p:cNvPr id="151" name="Google Shape;151;g56770da1a8_0_138:notes"/>
+          <p:cNvPr id="153" name="Google Shape;153;g580c61f9c3_0_6:notes"/>
           <p:cNvSpPr txBox="1"/>
           <p:nvPr>
             <p:ph idx="1" type="body"/>
@@ -1200,7 +1208,7 @@
   <p:cSld>
     <p:spTree>
       <p:nvGrpSpPr>
-        <p:cNvPr id="158" name="Shape 158"/>
+        <p:cNvPr id="157" name="Shape 157"/>
         <p:cNvGrpSpPr/>
         <p:nvPr/>
       </p:nvGrpSpPr>
@@ -1214,7 +1222,7 @@
       </p:grpSpPr>
       <p:sp>
         <p:nvSpPr>
-          <p:cNvPr id="159" name="Google Shape;159;g56770da1a8_0_143:notes"/>
+          <p:cNvPr id="158" name="Google Shape;158;g56770da1a8_0_124:notes"/>
           <p:cNvSpPr/>
           <p:nvPr>
             <p:ph idx="2" type="sldImg"/>
@@ -1249,7 +1257,7 @@
       </p:sp>
       <p:sp>
         <p:nvSpPr>
-          <p:cNvPr id="160" name="Google Shape;160;g56770da1a8_0_143:notes"/>
+          <p:cNvPr id="159" name="Google Shape;159;g56770da1a8_0_124:notes"/>
           <p:cNvSpPr txBox="1"/>
           <p:nvPr>
             <p:ph idx="1" type="body"/>
@@ -1280,7 +1288,8 @@
               <a:buNone/>
             </a:pPr>
             <a:r>
-              <a:t/>
+              <a:rPr lang="en"/>
+              <a:t>1936 Configurations were on this list, that’s why this was the first computer assisted proof. Nowadays it has shortened to 1428 cases.</a:t>
             </a:r>
             <a:endParaRPr/>
           </a:p>
@@ -1313,7 +1322,7 @@
       </p:grpSpPr>
       <p:sp>
         <p:nvSpPr>
-          <p:cNvPr id="165" name="Google Shape;165;g56770da1a8_0_148:notes"/>
+          <p:cNvPr id="165" name="Google Shape;165;g56770da1a8_0_143:notes"/>
           <p:cNvSpPr/>
           <p:nvPr>
             <p:ph idx="2" type="sldImg"/>
@@ -1348,7 +1357,205 @@
       </p:sp>
       <p:sp>
         <p:nvSpPr>
-          <p:cNvPr id="166" name="Google Shape;166;g56770da1a8_0_148:notes"/>
+          <p:cNvPr id="166" name="Google Shape;166;g56770da1a8_0_143:notes"/>
+          <p:cNvSpPr txBox="1"/>
+          <p:nvPr>
+            <p:ph idx="1" type="body"/>
+          </p:nvPr>
+        </p:nvSpPr>
+        <p:spPr>
+          <a:xfrm>
+            <a:off x="685800" y="4343400"/>
+            <a:ext cx="5486400" cy="4114800"/>
+          </a:xfrm>
+          <a:prstGeom prst="rect">
+            <a:avLst/>
+          </a:prstGeom>
+        </p:spPr>
+        <p:txBody>
+          <a:bodyPr anchorCtr="0" anchor="t" bIns="91425" lIns="91425" spcFirstLastPara="1" rIns="91425" wrap="square" tIns="91425">
+            <a:noAutofit/>
+          </a:bodyPr>
+          <a:lstStyle/>
+          <a:p>
+            <a:pPr indent="0" lvl="0" marL="0" rtl="0" algn="l">
+              <a:spcBef>
+                <a:spcPts val="0"/>
+              </a:spcBef>
+              <a:spcAft>
+                <a:spcPts val="0"/>
+              </a:spcAft>
+              <a:buNone/>
+            </a:pPr>
+            <a:r>
+              <a:t/>
+            </a:r>
+            <a:endParaRPr/>
+          </a:p>
+        </p:txBody>
+      </p:sp>
+    </p:spTree>
+  </p:cSld>
+  <p:clrMapOvr>
+    <a:masterClrMapping/>
+  </p:clrMapOvr>
+</p:notes>
+</file>
+
+<file path=ppt/notesSlides/notesSlide8.xml><?xml version="1.0" encoding="utf-8"?>
+<p:notes xmlns:a="http://schemas.openxmlformats.org/drawingml/2006/main" xmlns:r="http://schemas.openxmlformats.org/officeDocument/2006/relationships" xmlns:mc="http://schemas.openxmlformats.org/markup-compatibility/2006" xmlns:mv="urn:schemas-microsoft-com:mac:vml" xmlns:p="http://schemas.openxmlformats.org/presentationml/2006/main" xmlns:c="http://schemas.openxmlformats.org/drawingml/2006/chart" xmlns:dgm="http://schemas.openxmlformats.org/drawingml/2006/diagram" xmlns:o="urn:schemas-microsoft-com:office:office" xmlns:v="urn:schemas-microsoft-com:vml" xmlns:pvml="urn:schemas-microsoft-com:office:powerpoint" xmlns:com="http://schemas.openxmlformats.org/drawingml/2006/compatibility" xmlns:p14="http://schemas.microsoft.com/office/powerpoint/2010/main" xmlns:p15="http://schemas.microsoft.com/office/powerpoint/2012/main" showMasterPhAnim="0" showMasterSp="0">
+  <p:cSld>
+    <p:spTree>
+      <p:nvGrpSpPr>
+        <p:cNvPr id="170" name="Shape 170"/>
+        <p:cNvGrpSpPr/>
+        <p:nvPr/>
+      </p:nvGrpSpPr>
+      <p:grpSpPr>
+        <a:xfrm>
+          <a:off x="0" y="0"/>
+          <a:ext cx="0" cy="0"/>
+          <a:chOff x="0" y="0"/>
+          <a:chExt cx="0" cy="0"/>
+        </a:xfrm>
+      </p:grpSpPr>
+      <p:sp>
+        <p:nvSpPr>
+          <p:cNvPr id="171" name="Google Shape;171;g56770da1a8_0_148:notes"/>
+          <p:cNvSpPr/>
+          <p:nvPr>
+            <p:ph idx="2" type="sldImg"/>
+          </p:nvPr>
+        </p:nvSpPr>
+        <p:spPr>
+          <a:xfrm>
+            <a:off x="381300" y="685800"/>
+            <a:ext cx="6096000" cy="3429000"/>
+          </a:xfrm>
+          <a:custGeom>
+            <a:rect b="b" l="l" r="r" t="t"/>
+            <a:pathLst>
+              <a:path extrusionOk="0" h="120000" w="120000">
+                <a:moveTo>
+                  <a:pt x="0" y="0"/>
+                </a:moveTo>
+                <a:lnTo>
+                  <a:pt x="120000" y="0"/>
+                </a:lnTo>
+                <a:lnTo>
+                  <a:pt x="120000" y="120000"/>
+                </a:lnTo>
+                <a:lnTo>
+                  <a:pt x="0" y="120000"/>
+                </a:lnTo>
+                <a:close/>
+              </a:path>
+            </a:pathLst>
+          </a:custGeom>
+        </p:spPr>
+      </p:sp>
+      <p:sp>
+        <p:nvSpPr>
+          <p:cNvPr id="172" name="Google Shape;172;g56770da1a8_0_148:notes"/>
+          <p:cNvSpPr txBox="1"/>
+          <p:nvPr>
+            <p:ph idx="1" type="body"/>
+          </p:nvPr>
+        </p:nvSpPr>
+        <p:spPr>
+          <a:xfrm>
+            <a:off x="685800" y="4343400"/>
+            <a:ext cx="5486400" cy="4114800"/>
+          </a:xfrm>
+          <a:prstGeom prst="rect">
+            <a:avLst/>
+          </a:prstGeom>
+        </p:spPr>
+        <p:txBody>
+          <a:bodyPr anchorCtr="0" anchor="t" bIns="91425" lIns="91425" spcFirstLastPara="1" rIns="91425" wrap="square" tIns="91425">
+            <a:noAutofit/>
+          </a:bodyPr>
+          <a:lstStyle/>
+          <a:p>
+            <a:pPr indent="0" lvl="0" marL="0" rtl="0" algn="l">
+              <a:spcBef>
+                <a:spcPts val="0"/>
+              </a:spcBef>
+              <a:spcAft>
+                <a:spcPts val="0"/>
+              </a:spcAft>
+              <a:buNone/>
+            </a:pPr>
+            <a:r>
+              <a:t/>
+            </a:r>
+            <a:endParaRPr/>
+          </a:p>
+        </p:txBody>
+      </p:sp>
+    </p:spTree>
+  </p:cSld>
+  <p:clrMapOvr>
+    <a:masterClrMapping/>
+  </p:clrMapOvr>
+</p:notes>
+</file>
+
+<file path=ppt/notesSlides/notesSlide9.xml><?xml version="1.0" encoding="utf-8"?>
+<p:notes xmlns:a="http://schemas.openxmlformats.org/drawingml/2006/main" xmlns:r="http://schemas.openxmlformats.org/officeDocument/2006/relationships" xmlns:mc="http://schemas.openxmlformats.org/markup-compatibility/2006" xmlns:mv="urn:schemas-microsoft-com:mac:vml" xmlns:p="http://schemas.openxmlformats.org/presentationml/2006/main" xmlns:c="http://schemas.openxmlformats.org/drawingml/2006/chart" xmlns:dgm="http://schemas.openxmlformats.org/drawingml/2006/diagram" xmlns:o="urn:schemas-microsoft-com:office:office" xmlns:v="urn:schemas-microsoft-com:vml" xmlns:pvml="urn:schemas-microsoft-com:office:powerpoint" xmlns:com="http://schemas.openxmlformats.org/drawingml/2006/compatibility" xmlns:p14="http://schemas.microsoft.com/office/powerpoint/2010/main" xmlns:p15="http://schemas.microsoft.com/office/powerpoint/2012/main" showMasterPhAnim="0" showMasterSp="0">
+  <p:cSld>
+    <p:spTree>
+      <p:nvGrpSpPr>
+        <p:cNvPr id="176" name="Shape 176"/>
+        <p:cNvGrpSpPr/>
+        <p:nvPr/>
+      </p:nvGrpSpPr>
+      <p:grpSpPr>
+        <a:xfrm>
+          <a:off x="0" y="0"/>
+          <a:ext cx="0" cy="0"/>
+          <a:chOff x="0" y="0"/>
+          <a:chExt cx="0" cy="0"/>
+        </a:xfrm>
+      </p:grpSpPr>
+      <p:sp>
+        <p:nvSpPr>
+          <p:cNvPr id="177" name="Google Shape;177;g580c61f9c3_0_1:notes"/>
+          <p:cNvSpPr/>
+          <p:nvPr>
+            <p:ph idx="2" type="sldImg"/>
+          </p:nvPr>
+        </p:nvSpPr>
+        <p:spPr>
+          <a:xfrm>
+            <a:off x="381300" y="685800"/>
+            <a:ext cx="6096000" cy="3429000"/>
+          </a:xfrm>
+          <a:custGeom>
+            <a:rect b="b" l="l" r="r" t="t"/>
+            <a:pathLst>
+              <a:path extrusionOk="0" h="120000" w="120000">
+                <a:moveTo>
+                  <a:pt x="0" y="0"/>
+                </a:moveTo>
+                <a:lnTo>
+                  <a:pt x="120000" y="0"/>
+                </a:lnTo>
+                <a:lnTo>
+                  <a:pt x="120000" y="120000"/>
+                </a:lnTo>
+                <a:lnTo>
+                  <a:pt x="0" y="120000"/>
+                </a:lnTo>
+                <a:close/>
+              </a:path>
+            </a:pathLst>
+          </a:custGeom>
+        </p:spPr>
+      </p:sp>
+      <p:sp>
+        <p:nvSpPr>
+          <p:cNvPr id="178" name="Google Shape;178;g580c61f9c3_0_1:notes"/>
           <p:cNvSpPr txBox="1"/>
           <p:nvPr>
             <p:ph idx="1" type="body"/>
@@ -9451,7 +9658,7 @@
         </p:nvSpPr>
         <p:spPr>
           <a:xfrm>
-            <a:off x="1858703" y="1822833"/>
+            <a:off x="1502443" y="1439169"/>
             <a:ext cx="5361300" cy="1448100"/>
           </a:xfrm>
           <a:prstGeom prst="rect">
@@ -9620,6 +9827,22 @@
               <a:buChar char="●"/>
             </a:pPr>
             <a:r>
+              <a:t/>
+            </a:r>
+            <a:endParaRPr sz="1800"/>
+          </a:p>
+          <a:p>
+            <a:pPr indent="-342900" lvl="0" marL="457200" rtl="0" algn="l">
+              <a:spcBef>
+                <a:spcPts val="0"/>
+              </a:spcBef>
+              <a:spcAft>
+                <a:spcPts val="0"/>
+              </a:spcAft>
+              <a:buSzPts val="1800"/>
+              <a:buChar char="●"/>
+            </a:pPr>
+            <a:r>
               <a:rPr lang="en" sz="1800"/>
               <a:t>Problem unsolved for 125 years, finally solved in 1970s.</a:t>
             </a:r>
@@ -9638,7 +9861,15 @@
             </a:pPr>
             <a:r>
               <a:rPr lang="en" sz="1800"/>
-              <a:t>The mathemtical community thought it was solved falsely for an entire decade. (Academic Journal of Mathematics, Vol. 2 No. 3 (Sep. 1879) pp. 193-200.</a:t>
+              <a:t>The </a:t>
+            </a:r>
+            <a:r>
+              <a:rPr lang="en" sz="1800"/>
+              <a:t>mathematical</a:t>
+            </a:r>
+            <a:r>
+              <a:rPr lang="en" sz="1800"/>
+              <a:t> community thought it was solved falsely for an entire decade. (Academic Journal of Mathematics, Vol. 2 No. 3 (Sep. 1879) pp. 193-200.</a:t>
             </a:r>
             <a:endParaRPr sz="1800"/>
           </a:p>
@@ -9702,137 +9933,6 @@
               <a:buNone/>
             </a:pPr>
             <a:r>
-              <a:t/>
-            </a:r>
-            <a:endParaRPr/>
-          </a:p>
-        </p:txBody>
-      </p:sp>
-      <p:sp>
-        <p:nvSpPr>
-          <p:cNvPr id="141" name="Google Shape;141;p15"/>
-          <p:cNvSpPr txBox="1"/>
-          <p:nvPr>
-            <p:ph idx="1" type="body"/>
-          </p:nvPr>
-        </p:nvSpPr>
-        <p:spPr>
-          <a:xfrm>
-            <a:off x="819150" y="1990725"/>
-            <a:ext cx="7505700" cy="2448000"/>
-          </a:xfrm>
-          <a:prstGeom prst="rect">
-            <a:avLst/>
-          </a:prstGeom>
-        </p:spPr>
-        <p:txBody>
-          <a:bodyPr anchorCtr="0" anchor="t" bIns="91425" lIns="91425" spcFirstLastPara="1" rIns="91425" wrap="square" tIns="91425">
-            <a:noAutofit/>
-          </a:bodyPr>
-          <a:lstStyle/>
-          <a:p>
-            <a:pPr indent="0" lvl="0" marL="0" rtl="0" algn="l">
-              <a:spcBef>
-                <a:spcPts val="0"/>
-              </a:spcBef>
-              <a:spcAft>
-                <a:spcPts val="1600"/>
-              </a:spcAft>
-              <a:buNone/>
-            </a:pPr>
-            <a:r>
-              <a:t/>
-            </a:r>
-            <a:endParaRPr/>
-          </a:p>
-        </p:txBody>
-      </p:sp>
-      <p:pic>
-        <p:nvPicPr>
-          <p:cNvPr id="142" name="Google Shape;142;p15"/>
-          <p:cNvPicPr preferRelativeResize="0"/>
-          <p:nvPr/>
-        </p:nvPicPr>
-        <p:blipFill>
-          <a:blip r:embed="rId3">
-            <a:alphaModFix/>
-          </a:blip>
-          <a:stretch>
-            <a:fillRect/>
-          </a:stretch>
-        </p:blipFill>
-        <p:spPr>
-          <a:xfrm>
-            <a:off x="594851" y="408625"/>
-            <a:ext cx="7911224" cy="4240949"/>
-          </a:xfrm>
-          <a:prstGeom prst="rect">
-            <a:avLst/>
-          </a:prstGeom>
-          <a:noFill/>
-          <a:ln>
-            <a:noFill/>
-          </a:ln>
-        </p:spPr>
-      </p:pic>
-    </p:spTree>
-  </p:cSld>
-  <p:clrMapOvr>
-    <a:masterClrMapping/>
-  </p:clrMapOvr>
-</p:sld>
-</file>
-
-<file path=ppt/slides/slide4.xml><?xml version="1.0" encoding="utf-8"?>
-<p:sld xmlns:a="http://schemas.openxmlformats.org/drawingml/2006/main" xmlns:r="http://schemas.openxmlformats.org/officeDocument/2006/relationships" xmlns:mc="http://schemas.openxmlformats.org/markup-compatibility/2006" xmlns:mv="urn:schemas-microsoft-com:mac:vml" xmlns:p="http://schemas.openxmlformats.org/presentationml/2006/main" xmlns:c="http://schemas.openxmlformats.org/drawingml/2006/chart" xmlns:dgm="http://schemas.openxmlformats.org/drawingml/2006/diagram" xmlns:o="urn:schemas-microsoft-com:office:office" xmlns:v="urn:schemas-microsoft-com:vml" xmlns:pvml="urn:schemas-microsoft-com:office:powerpoint" xmlns:com="http://schemas.openxmlformats.org/drawingml/2006/compatibility" xmlns:p14="http://schemas.microsoft.com/office/powerpoint/2010/main" xmlns:p15="http://schemas.microsoft.com/office/powerpoint/2012/main">
-  <p:cSld>
-    <p:spTree>
-      <p:nvGrpSpPr>
-        <p:cNvPr id="146" name="Shape 146"/>
-        <p:cNvGrpSpPr/>
-        <p:nvPr/>
-      </p:nvGrpSpPr>
-      <p:grpSpPr>
-        <a:xfrm>
-          <a:off x="0" y="0"/>
-          <a:ext cx="0" cy="0"/>
-          <a:chOff x="0" y="0"/>
-          <a:chExt cx="0" cy="0"/>
-        </a:xfrm>
-      </p:grpSpPr>
-      <p:sp>
-        <p:nvSpPr>
-          <p:cNvPr id="147" name="Google Shape;147;p16"/>
-          <p:cNvSpPr txBox="1"/>
-          <p:nvPr>
-            <p:ph type="title"/>
-          </p:nvPr>
-        </p:nvSpPr>
-        <p:spPr>
-          <a:xfrm>
-            <a:off x="819150" y="845600"/>
-            <a:ext cx="7505700" cy="954600"/>
-          </a:xfrm>
-          <a:prstGeom prst="rect">
-            <a:avLst/>
-          </a:prstGeom>
-        </p:spPr>
-        <p:txBody>
-          <a:bodyPr anchorCtr="0" anchor="t" bIns="91425" lIns="91425" spcFirstLastPara="1" rIns="91425" wrap="square" tIns="91425">
-            <a:noAutofit/>
-          </a:bodyPr>
-          <a:lstStyle/>
-          <a:p>
-            <a:pPr indent="0" lvl="0" marL="0" rtl="0" algn="l">
-              <a:spcBef>
-                <a:spcPts val="0"/>
-              </a:spcBef>
-              <a:spcAft>
-                <a:spcPts val="0"/>
-              </a:spcAft>
-              <a:buNone/>
-            </a:pPr>
-            <a:r>
               <a:rPr lang="en"/>
               <a:t>Defining the theorem</a:t>
             </a:r>
@@ -9842,7 +9942,7 @@
       </p:sp>
       <p:sp>
         <p:nvSpPr>
-          <p:cNvPr id="148" name="Google Shape;148;p16"/>
+          <p:cNvPr id="141" name="Google Shape;141;p15"/>
           <p:cNvSpPr txBox="1"/>
           <p:nvPr>
             <p:ph idx="1" type="body"/>
@@ -9943,12 +10043,12 @@
 </p:sld>
 </file>
 
-<file path=ppt/slides/slide5.xml><?xml version="1.0" encoding="utf-8"?>
+<file path=ppt/slides/slide4.xml><?xml version="1.0" encoding="utf-8"?>
 <p:sld xmlns:a="http://schemas.openxmlformats.org/drawingml/2006/main" xmlns:r="http://schemas.openxmlformats.org/officeDocument/2006/relationships" xmlns:mc="http://schemas.openxmlformats.org/markup-compatibility/2006" xmlns:mv="urn:schemas-microsoft-com:mac:vml" xmlns:p="http://schemas.openxmlformats.org/presentationml/2006/main" xmlns:c="http://schemas.openxmlformats.org/drawingml/2006/chart" xmlns:dgm="http://schemas.openxmlformats.org/drawingml/2006/diagram" xmlns:o="urn:schemas-microsoft-com:office:office" xmlns:v="urn:schemas-microsoft-com:vml" xmlns:pvml="urn:schemas-microsoft-com:office:powerpoint" xmlns:com="http://schemas.openxmlformats.org/drawingml/2006/compatibility" xmlns:p14="http://schemas.microsoft.com/office/powerpoint/2010/main" xmlns:p15="http://schemas.microsoft.com/office/powerpoint/2012/main">
   <p:cSld>
     <p:spTree>
       <p:nvGrpSpPr>
-        <p:cNvPr id="152" name="Shape 152"/>
+        <p:cNvPr id="145" name="Shape 145"/>
         <p:cNvGrpSpPr/>
         <p:nvPr/>
       </p:nvGrpSpPr>
@@ -9962,7 +10062,7 @@
       </p:grpSpPr>
       <p:sp>
         <p:nvSpPr>
-          <p:cNvPr id="153" name="Google Shape;153;p17"/>
+          <p:cNvPr id="146" name="Google Shape;146;p16"/>
           <p:cNvSpPr txBox="1"/>
           <p:nvPr>
             <p:ph type="title"/>
@@ -10002,7 +10102,7 @@
       </p:sp>
       <p:sp>
         <p:nvSpPr>
-          <p:cNvPr id="154" name="Google Shape;154;p17"/>
+          <p:cNvPr id="147" name="Google Shape;147;p16"/>
           <p:cNvSpPr txBox="1"/>
           <p:nvPr>
             <p:ph idx="1" type="body"/>
@@ -10041,7 +10141,7 @@
       </p:sp>
       <p:pic>
         <p:nvPicPr>
-          <p:cNvPr id="155" name="Google Shape;155;p17"/>
+          <p:cNvPr id="148" name="Google Shape;148;p16"/>
           <p:cNvPicPr preferRelativeResize="0"/>
           <p:nvPr/>
         </p:nvPicPr>
@@ -10069,7 +10169,7 @@
       </p:pic>
       <p:pic>
         <p:nvPicPr>
-          <p:cNvPr id="156" name="Google Shape;156;p17"/>
+          <p:cNvPr id="149" name="Google Shape;149;p16"/>
           <p:cNvPicPr preferRelativeResize="0"/>
           <p:nvPr/>
         </p:nvPicPr>
@@ -10097,7 +10197,7 @@
       </p:pic>
       <p:pic>
         <p:nvPicPr>
-          <p:cNvPr id="157" name="Google Shape;157;p17"/>
+          <p:cNvPr id="150" name="Google Shape;150;p16"/>
           <p:cNvPicPr preferRelativeResize="0"/>
           <p:nvPr/>
         </p:nvPicPr>
@@ -10131,12 +10231,12 @@
 </p:sld>
 </file>
 
-<file path=ppt/slides/slide6.xml><?xml version="1.0" encoding="utf-8"?>
+<file path=ppt/slides/slide5.xml><?xml version="1.0" encoding="utf-8"?>
 <p:sld xmlns:a="http://schemas.openxmlformats.org/drawingml/2006/main" xmlns:r="http://schemas.openxmlformats.org/officeDocument/2006/relationships" xmlns:mc="http://schemas.openxmlformats.org/markup-compatibility/2006" xmlns:mv="urn:schemas-microsoft-com:mac:vml" xmlns:p="http://schemas.openxmlformats.org/presentationml/2006/main" xmlns:c="http://schemas.openxmlformats.org/drawingml/2006/chart" xmlns:dgm="http://schemas.openxmlformats.org/drawingml/2006/diagram" xmlns:o="urn:schemas-microsoft-com:office:office" xmlns:v="urn:schemas-microsoft-com:vml" xmlns:pvml="urn:schemas-microsoft-com:office:powerpoint" xmlns:com="http://schemas.openxmlformats.org/drawingml/2006/compatibility" xmlns:p14="http://schemas.microsoft.com/office/powerpoint/2010/main" xmlns:p15="http://schemas.microsoft.com/office/powerpoint/2012/main">
   <p:cSld>
     <p:spTree>
       <p:nvGrpSpPr>
-        <p:cNvPr id="161" name="Shape 161"/>
+        <p:cNvPr id="154" name="Shape 154"/>
         <p:cNvGrpSpPr/>
         <p:nvPr/>
       </p:nvGrpSpPr>
@@ -10150,7 +10250,7 @@
       </p:grpSpPr>
       <p:sp>
         <p:nvSpPr>
-          <p:cNvPr id="162" name="Google Shape;162;p18"/>
+          <p:cNvPr id="155" name="Google Shape;155;p17"/>
           <p:cNvSpPr txBox="1"/>
           <p:nvPr>
             <p:ph type="title"/>
@@ -10182,7 +10282,99 @@
             </a:pPr>
             <a:r>
               <a:rPr lang="en"/>
-              <a:t>Proof Sketch: Every planar graph is 4 colorable</a:t>
+              <a:t>Given a country A … or a point N:</a:t>
+            </a:r>
+            <a:endParaRPr/>
+          </a:p>
+        </p:txBody>
+      </p:sp>
+      <p:pic>
+        <p:nvPicPr>
+          <p:cNvPr id="156" name="Google Shape;156;p17"/>
+          <p:cNvPicPr preferRelativeResize="0"/>
+          <p:nvPr/>
+        </p:nvPicPr>
+        <p:blipFill>
+          <a:blip r:embed="rId3">
+            <a:alphaModFix/>
+          </a:blip>
+          <a:stretch>
+            <a:fillRect/>
+          </a:stretch>
+        </p:blipFill>
+        <p:spPr>
+          <a:xfrm>
+            <a:off x="1652325" y="1857471"/>
+            <a:ext cx="5674741" cy="2989974"/>
+          </a:xfrm>
+          <a:prstGeom prst="rect">
+            <a:avLst/>
+          </a:prstGeom>
+          <a:noFill/>
+          <a:ln>
+            <a:noFill/>
+          </a:ln>
+        </p:spPr>
+      </p:pic>
+    </p:spTree>
+  </p:cSld>
+  <p:clrMapOvr>
+    <a:masterClrMapping/>
+  </p:clrMapOvr>
+</p:sld>
+</file>
+
+<file path=ppt/slides/slide6.xml><?xml version="1.0" encoding="utf-8"?>
+<p:sld xmlns:a="http://schemas.openxmlformats.org/drawingml/2006/main" xmlns:r="http://schemas.openxmlformats.org/officeDocument/2006/relationships" xmlns:mc="http://schemas.openxmlformats.org/markup-compatibility/2006" xmlns:mv="urn:schemas-microsoft-com:mac:vml" xmlns:p="http://schemas.openxmlformats.org/presentationml/2006/main" xmlns:c="http://schemas.openxmlformats.org/drawingml/2006/chart" xmlns:dgm="http://schemas.openxmlformats.org/drawingml/2006/diagram" xmlns:o="urn:schemas-microsoft-com:office:office" xmlns:v="urn:schemas-microsoft-com:vml" xmlns:pvml="urn:schemas-microsoft-com:office:powerpoint" xmlns:com="http://schemas.openxmlformats.org/drawingml/2006/compatibility" xmlns:p14="http://schemas.microsoft.com/office/powerpoint/2010/main" xmlns:p15="http://schemas.microsoft.com/office/powerpoint/2012/main">
+  <p:cSld>
+    <p:spTree>
+      <p:nvGrpSpPr>
+        <p:cNvPr id="160" name="Shape 160"/>
+        <p:cNvGrpSpPr/>
+        <p:nvPr/>
+      </p:nvGrpSpPr>
+      <p:grpSpPr>
+        <a:xfrm>
+          <a:off x="0" y="0"/>
+          <a:ext cx="0" cy="0"/>
+          <a:chOff x="0" y="0"/>
+          <a:chExt cx="0" cy="0"/>
+        </a:xfrm>
+      </p:grpSpPr>
+      <p:sp>
+        <p:nvSpPr>
+          <p:cNvPr id="161" name="Google Shape;161;p18"/>
+          <p:cNvSpPr txBox="1"/>
+          <p:nvPr>
+            <p:ph type="title"/>
+          </p:nvPr>
+        </p:nvSpPr>
+        <p:spPr>
+          <a:xfrm>
+            <a:off x="819150" y="845600"/>
+            <a:ext cx="7505700" cy="954600"/>
+          </a:xfrm>
+          <a:prstGeom prst="rect">
+            <a:avLst/>
+          </a:prstGeom>
+        </p:spPr>
+        <p:txBody>
+          <a:bodyPr anchorCtr="0" anchor="t" bIns="91425" lIns="91425" spcFirstLastPara="1" rIns="91425" wrap="square" tIns="91425">
+            <a:noAutofit/>
+          </a:bodyPr>
+          <a:lstStyle/>
+          <a:p>
+            <a:pPr indent="0" lvl="0" marL="0" rtl="0" algn="l">
+              <a:spcBef>
+                <a:spcPts val="0"/>
+              </a:spcBef>
+              <a:spcAft>
+                <a:spcPts val="0"/>
+              </a:spcAft>
+              <a:buNone/>
+            </a:pPr>
+            <a:r>
+              <a:t/>
             </a:r>
             <a:endParaRPr/>
           </a:p>
@@ -10190,7 +10382,7 @@
       </p:sp>
       <p:sp>
         <p:nvSpPr>
-          <p:cNvPr id="163" name="Google Shape;163;p18"/>
+          <p:cNvPr id="162" name="Google Shape;162;p18"/>
           <p:cNvSpPr txBox="1"/>
           <p:nvPr>
             <p:ph idx="1" type="body"/>
@@ -10216,62 +10408,6 @@
                 <a:spcPts val="0"/>
               </a:spcBef>
               <a:spcAft>
-                <a:spcPts val="0"/>
-              </a:spcAft>
-              <a:buNone/>
-            </a:pPr>
-            <a:r>
-              <a:rPr i="1" lang="en" sz="1800">
-                <a:solidFill>
-                  <a:srgbClr val="24292E"/>
-                </a:solidFill>
-              </a:rPr>
-              <a:t>Proof: </a:t>
-            </a:r>
-            <a:r>
-              <a:rPr lang="en" sz="1800">
-                <a:solidFill>
-                  <a:srgbClr val="24292E"/>
-                </a:solidFill>
-              </a:rPr>
-              <a:t>Let the planar graph with n vertices, n is at least 1, and denoted by Gn . There are 3 cases to discuss. Case 1: When 1 &lt;= n &lt;= 4, the result holds (it’s obvious, G1 – G4) Case 2: When n = 5, the maximal planar graph with 5 vertices is the full graph deleting an edge, i.e., the planar graph with 5 vertices and 9 edges, Case 3: There are a lot of Cases here</a:t>
-            </a:r>
-            <a:endParaRPr sz="1800">
-              <a:solidFill>
-                <a:srgbClr val="24292E"/>
-              </a:solidFill>
-            </a:endParaRPr>
-          </a:p>
-          <a:p>
-            <a:pPr indent="0" lvl="0" marL="0" rtl="0" algn="l">
-              <a:spcBef>
-                <a:spcPts val="1200"/>
-              </a:spcBef>
-              <a:spcAft>
-                <a:spcPts val="0"/>
-              </a:spcAft>
-              <a:buNone/>
-            </a:pPr>
-            <a:r>
-              <a:rPr lang="en" sz="1800">
-                <a:solidFill>
-                  <a:srgbClr val="24292E"/>
-                </a:solidFill>
-              </a:rPr>
-              <a:t>Show Flowchart of the 4-Color Theorem Show Algorithm being applied in Code</a:t>
-            </a:r>
-            <a:endParaRPr sz="1800">
-              <a:solidFill>
-                <a:srgbClr val="24292E"/>
-              </a:solidFill>
-            </a:endParaRPr>
-          </a:p>
-          <a:p>
-            <a:pPr indent="0" lvl="0" marL="0" rtl="0" algn="l">
-              <a:spcBef>
-                <a:spcPts val="0"/>
-              </a:spcBef>
-              <a:spcAft>
                 <a:spcPts val="1600"/>
               </a:spcAft>
               <a:buNone/>
@@ -10279,10 +10415,38 @@
             <a:r>
               <a:t/>
             </a:r>
-            <a:endParaRPr sz="1800"/>
+            <a:endParaRPr/>
           </a:p>
         </p:txBody>
       </p:sp>
+      <p:pic>
+        <p:nvPicPr>
+          <p:cNvPr id="163" name="Google Shape;163;p18"/>
+          <p:cNvPicPr preferRelativeResize="0"/>
+          <p:nvPr/>
+        </p:nvPicPr>
+        <p:blipFill>
+          <a:blip r:embed="rId3">
+            <a:alphaModFix/>
+          </a:blip>
+          <a:stretch>
+            <a:fillRect/>
+          </a:stretch>
+        </p:blipFill>
+        <p:spPr>
+          <a:xfrm>
+            <a:off x="594851" y="408625"/>
+            <a:ext cx="7911224" cy="4240949"/>
+          </a:xfrm>
+          <a:prstGeom prst="rect">
+            <a:avLst/>
+          </a:prstGeom>
+          <a:noFill/>
+          <a:ln>
+            <a:noFill/>
+          </a:ln>
+        </p:spPr>
+      </p:pic>
     </p:spTree>
   </p:cSld>
   <p:clrMapOvr>
@@ -10342,7 +10506,7 @@
             </a:pPr>
             <a:r>
               <a:rPr lang="en"/>
-              <a:t>Code?</a:t>
+              <a:t>Proof Sketch: Every planar graph is 4 colorable</a:t>
             </a:r>
             <a:endParaRPr/>
           </a:p>
@@ -10376,12 +10540,321 @@
                 <a:spcPts val="0"/>
               </a:spcBef>
               <a:spcAft>
+                <a:spcPts val="0"/>
+              </a:spcAft>
+              <a:buNone/>
+            </a:pPr>
+            <a:r>
+              <a:rPr i="1" lang="en" sz="1800">
+                <a:solidFill>
+                  <a:srgbClr val="24292E"/>
+                </a:solidFill>
+              </a:rPr>
+              <a:t>Proof: </a:t>
+            </a:r>
+            <a:r>
+              <a:rPr lang="en" sz="1800">
+                <a:solidFill>
+                  <a:srgbClr val="24292E"/>
+                </a:solidFill>
+              </a:rPr>
+              <a:t>Let the planar graph with n vertices, n is at least 1, and denoted by Gn . There are 3 cases to discuss. Case 1: When 1 &lt;= n &lt;= 4, the result holds (it’s obvious, G1 – G4) Case 2: When n = 5, the maximal planar graph with 5 vertices is the full graph deleting an edge, i.e., the planar graph with 5 vertices and 9 edges, Case 3: There are a lot of Cases here</a:t>
+            </a:r>
+            <a:endParaRPr sz="1800">
+              <a:solidFill>
+                <a:srgbClr val="24292E"/>
+              </a:solidFill>
+            </a:endParaRPr>
+          </a:p>
+          <a:p>
+            <a:pPr indent="0" lvl="0" marL="0" rtl="0" algn="l">
+              <a:spcBef>
+                <a:spcPts val="1200"/>
+              </a:spcBef>
+              <a:spcAft>
+                <a:spcPts val="0"/>
+              </a:spcAft>
+              <a:buNone/>
+            </a:pPr>
+            <a:r>
+              <a:rPr lang="en" sz="1800">
+                <a:solidFill>
+                  <a:srgbClr val="24292E"/>
+                </a:solidFill>
+              </a:rPr>
+              <a:t>Show Flowchart of the 4-Color Theorem Show Algorithm being applied in Code</a:t>
+            </a:r>
+            <a:endParaRPr sz="1800">
+              <a:solidFill>
+                <a:srgbClr val="24292E"/>
+              </a:solidFill>
+            </a:endParaRPr>
+          </a:p>
+          <a:p>
+            <a:pPr indent="0" lvl="0" marL="0" rtl="0" algn="l">
+              <a:spcBef>
+                <a:spcPts val="0"/>
+              </a:spcBef>
+              <a:spcAft>
                 <a:spcPts val="1600"/>
               </a:spcAft>
               <a:buNone/>
             </a:pPr>
             <a:r>
               <a:t/>
+            </a:r>
+            <a:endParaRPr sz="1800"/>
+          </a:p>
+        </p:txBody>
+      </p:sp>
+    </p:spTree>
+  </p:cSld>
+  <p:clrMapOvr>
+    <a:masterClrMapping/>
+  </p:clrMapOvr>
+</p:sld>
+</file>
+
+<file path=ppt/slides/slide8.xml><?xml version="1.0" encoding="utf-8"?>
+<p:sld xmlns:a="http://schemas.openxmlformats.org/drawingml/2006/main" xmlns:r="http://schemas.openxmlformats.org/officeDocument/2006/relationships" xmlns:mc="http://schemas.openxmlformats.org/markup-compatibility/2006" xmlns:mv="urn:schemas-microsoft-com:mac:vml" xmlns:p="http://schemas.openxmlformats.org/presentationml/2006/main" xmlns:c="http://schemas.openxmlformats.org/drawingml/2006/chart" xmlns:dgm="http://schemas.openxmlformats.org/drawingml/2006/diagram" xmlns:o="urn:schemas-microsoft-com:office:office" xmlns:v="urn:schemas-microsoft-com:vml" xmlns:pvml="urn:schemas-microsoft-com:office:powerpoint" xmlns:com="http://schemas.openxmlformats.org/drawingml/2006/compatibility" xmlns:p14="http://schemas.microsoft.com/office/powerpoint/2010/main" xmlns:p15="http://schemas.microsoft.com/office/powerpoint/2012/main">
+  <p:cSld>
+    <p:spTree>
+      <p:nvGrpSpPr>
+        <p:cNvPr id="173" name="Shape 173"/>
+        <p:cNvGrpSpPr/>
+        <p:nvPr/>
+      </p:nvGrpSpPr>
+      <p:grpSpPr>
+        <a:xfrm>
+          <a:off x="0" y="0"/>
+          <a:ext cx="0" cy="0"/>
+          <a:chOff x="0" y="0"/>
+          <a:chExt cx="0" cy="0"/>
+        </a:xfrm>
+      </p:grpSpPr>
+      <p:sp>
+        <p:nvSpPr>
+          <p:cNvPr id="174" name="Google Shape;174;p20"/>
+          <p:cNvSpPr txBox="1"/>
+          <p:nvPr>
+            <p:ph type="title"/>
+          </p:nvPr>
+        </p:nvSpPr>
+        <p:spPr>
+          <a:xfrm>
+            <a:off x="819150" y="845600"/>
+            <a:ext cx="7505700" cy="954600"/>
+          </a:xfrm>
+          <a:prstGeom prst="rect">
+            <a:avLst/>
+          </a:prstGeom>
+        </p:spPr>
+        <p:txBody>
+          <a:bodyPr anchorCtr="0" anchor="t" bIns="91425" lIns="91425" spcFirstLastPara="1" rIns="91425" wrap="square" tIns="91425">
+            <a:noAutofit/>
+          </a:bodyPr>
+          <a:lstStyle/>
+          <a:p>
+            <a:pPr indent="0" lvl="0" marL="0" rtl="0" algn="l">
+              <a:spcBef>
+                <a:spcPts val="0"/>
+              </a:spcBef>
+              <a:spcAft>
+                <a:spcPts val="0"/>
+              </a:spcAft>
+              <a:buNone/>
+            </a:pPr>
+            <a:r>
+              <a:rPr lang="en"/>
+              <a:t>Code:</a:t>
+            </a:r>
+            <a:endParaRPr/>
+          </a:p>
+        </p:txBody>
+      </p:sp>
+      <p:pic>
+        <p:nvPicPr>
+          <p:cNvPr id="175" name="Google Shape;175;p20"/>
+          <p:cNvPicPr preferRelativeResize="0"/>
+          <p:nvPr/>
+        </p:nvPicPr>
+        <p:blipFill>
+          <a:blip r:embed="rId3">
+            <a:alphaModFix/>
+          </a:blip>
+          <a:stretch>
+            <a:fillRect/>
+          </a:stretch>
+        </p:blipFill>
+        <p:spPr>
+          <a:xfrm rot="-5400000">
+            <a:off x="2328300" y="449799"/>
+            <a:ext cx="4249950" cy="4243900"/>
+          </a:xfrm>
+          <a:prstGeom prst="rect">
+            <a:avLst/>
+          </a:prstGeom>
+          <a:noFill/>
+          <a:ln>
+            <a:noFill/>
+          </a:ln>
+        </p:spPr>
+      </p:pic>
+    </p:spTree>
+  </p:cSld>
+  <p:clrMapOvr>
+    <a:masterClrMapping/>
+  </p:clrMapOvr>
+</p:sld>
+</file>
+
+<file path=ppt/slides/slide9.xml><?xml version="1.0" encoding="utf-8"?>
+<p:sld xmlns:a="http://schemas.openxmlformats.org/drawingml/2006/main" xmlns:r="http://schemas.openxmlformats.org/officeDocument/2006/relationships" xmlns:mc="http://schemas.openxmlformats.org/markup-compatibility/2006" xmlns:mv="urn:schemas-microsoft-com:mac:vml" xmlns:p="http://schemas.openxmlformats.org/presentationml/2006/main" xmlns:c="http://schemas.openxmlformats.org/drawingml/2006/chart" xmlns:dgm="http://schemas.openxmlformats.org/drawingml/2006/diagram" xmlns:o="urn:schemas-microsoft-com:office:office" xmlns:v="urn:schemas-microsoft-com:vml" xmlns:pvml="urn:schemas-microsoft-com:office:powerpoint" xmlns:com="http://schemas.openxmlformats.org/drawingml/2006/compatibility" xmlns:p14="http://schemas.microsoft.com/office/powerpoint/2010/main" xmlns:p15="http://schemas.microsoft.com/office/powerpoint/2012/main">
+  <p:cSld>
+    <p:spTree>
+      <p:nvGrpSpPr>
+        <p:cNvPr id="179" name="Shape 179"/>
+        <p:cNvGrpSpPr/>
+        <p:nvPr/>
+      </p:nvGrpSpPr>
+      <p:grpSpPr>
+        <a:xfrm>
+          <a:off x="0" y="0"/>
+          <a:ext cx="0" cy="0"/>
+          <a:chOff x="0" y="0"/>
+          <a:chExt cx="0" cy="0"/>
+        </a:xfrm>
+      </p:grpSpPr>
+      <p:sp>
+        <p:nvSpPr>
+          <p:cNvPr id="180" name="Google Shape;180;p21"/>
+          <p:cNvSpPr txBox="1"/>
+          <p:nvPr>
+            <p:ph type="title"/>
+          </p:nvPr>
+        </p:nvSpPr>
+        <p:spPr>
+          <a:xfrm>
+            <a:off x="819150" y="845600"/>
+            <a:ext cx="7505700" cy="954600"/>
+          </a:xfrm>
+          <a:prstGeom prst="rect">
+            <a:avLst/>
+          </a:prstGeom>
+        </p:spPr>
+        <p:txBody>
+          <a:bodyPr anchorCtr="0" anchor="t" bIns="91425" lIns="91425" spcFirstLastPara="1" rIns="91425" wrap="square" tIns="91425">
+            <a:noAutofit/>
+          </a:bodyPr>
+          <a:lstStyle/>
+          <a:p>
+            <a:pPr indent="0" lvl="0" marL="0" rtl="0" algn="l">
+              <a:spcBef>
+                <a:spcPts val="0"/>
+              </a:spcBef>
+              <a:spcAft>
+                <a:spcPts val="0"/>
+              </a:spcAft>
+              <a:buNone/>
+            </a:pPr>
+            <a:r>
+              <a:rPr lang="en"/>
+              <a:t>Thank you and References	</a:t>
+            </a:r>
+            <a:endParaRPr/>
+          </a:p>
+        </p:txBody>
+      </p:sp>
+      <p:sp>
+        <p:nvSpPr>
+          <p:cNvPr id="181" name="Google Shape;181;p21"/>
+          <p:cNvSpPr txBox="1"/>
+          <p:nvPr>
+            <p:ph idx="1" type="body"/>
+          </p:nvPr>
+        </p:nvSpPr>
+        <p:spPr>
+          <a:xfrm>
+            <a:off x="819150" y="1990725"/>
+            <a:ext cx="7505700" cy="2448000"/>
+          </a:xfrm>
+          <a:prstGeom prst="rect">
+            <a:avLst/>
+          </a:prstGeom>
+        </p:spPr>
+        <p:txBody>
+          <a:bodyPr anchorCtr="0" anchor="t" bIns="91425" lIns="91425" spcFirstLastPara="1" rIns="91425" wrap="square" tIns="91425">
+            <a:noAutofit/>
+          </a:bodyPr>
+          <a:lstStyle/>
+          <a:p>
+            <a:pPr indent="-311150" lvl="0" marL="457200" rtl="0" algn="l">
+              <a:spcBef>
+                <a:spcPts val="0"/>
+              </a:spcBef>
+              <a:spcAft>
+                <a:spcPts val="0"/>
+              </a:spcAft>
+              <a:buSzPts val="1300"/>
+              <a:buAutoNum type="arabicPeriod"/>
+            </a:pPr>
+            <a:r>
+              <a:rPr lang="en" sz="1100" u="sng">
+                <a:solidFill>
+                  <a:schemeClr val="accent5"/>
+                </a:solidFill>
+                <a:latin typeface="Arial"/>
+                <a:ea typeface="Arial"/>
+                <a:cs typeface="Arial"/>
+                <a:sym typeface="Arial"/>
+                <a:hlinkClick r:id="rId3"/>
+              </a:rPr>
+              <a:t>https://arxiv.org/pdf/0905.3713.pdf</a:t>
+            </a:r>
+            <a:endParaRPr/>
+          </a:p>
+          <a:p>
+            <a:pPr indent="-311150" lvl="0" marL="457200" rtl="0" algn="l">
+              <a:spcBef>
+                <a:spcPts val="0"/>
+              </a:spcBef>
+              <a:spcAft>
+                <a:spcPts val="0"/>
+              </a:spcAft>
+              <a:buSzPts val="1300"/>
+              <a:buAutoNum type="arabicPeriod"/>
+            </a:pPr>
+            <a:r>
+              <a:rPr lang="en" sz="1050" u="sng">
+                <a:solidFill>
+                  <a:schemeClr val="hlink"/>
+                </a:solidFill>
+                <a:highlight>
+                  <a:srgbClr val="FFFFFF"/>
+                </a:highlight>
+                <a:latin typeface="Roboto"/>
+                <a:ea typeface="Roboto"/>
+                <a:cs typeface="Roboto"/>
+                <a:sym typeface="Roboto"/>
+                <a:hlinkClick r:id="rId4"/>
+              </a:rPr>
+              <a:t>http://bit.ly/MSRINumberphile</a:t>
+            </a:r>
+            <a:endParaRPr/>
+          </a:p>
+          <a:p>
+            <a:pPr indent="0" lvl="0" marL="0" rtl="0" algn="l">
+              <a:spcBef>
+                <a:spcPts val="1600"/>
+              </a:spcBef>
+              <a:spcAft>
+                <a:spcPts val="1600"/>
+              </a:spcAft>
+              <a:buNone/>
+            </a:pPr>
+            <a:r>
+              <a:rPr lang="en"/>
+              <a:t>Have a happy block break</a:t>
             </a:r>
             <a:endParaRPr/>
           </a:p>
@@ -10396,6 +10869,285 @@
 </file>
 
 <file path=ppt/theme/theme1.xml><?xml version="1.0" encoding="utf-8"?>
+<a:theme xmlns:a="http://schemas.openxmlformats.org/drawingml/2006/main" xmlns:r="http://schemas.openxmlformats.org/officeDocument/2006/relationships">
+  <a:themeElements>
+    <a:clrScheme name="Default">
+      <a:dk1>
+        <a:srgbClr val="000000"/>
+      </a:dk1>
+      <a:lt1>
+        <a:srgbClr val="FFFFFF"/>
+      </a:lt1>
+      <a:dk2>
+        <a:srgbClr val="158158"/>
+      </a:dk2>
+      <a:lt2>
+        <a:srgbClr val="F3F3F3"/>
+      </a:lt2>
+      <a:accent1>
+        <a:srgbClr val="058DC7"/>
+      </a:accent1>
+      <a:accent2>
+        <a:srgbClr val="50B432"/>
+      </a:accent2>
+      <a:accent3>
+        <a:srgbClr val="ED561B"/>
+      </a:accent3>
+      <a:accent4>
+        <a:srgbClr val="EDEF00"/>
+      </a:accent4>
+      <a:accent5>
+        <a:srgbClr val="24CBE5"/>
+      </a:accent5>
+      <a:accent6>
+        <a:srgbClr val="64E572"/>
+      </a:accent6>
+      <a:hlink>
+        <a:srgbClr val="2200CC"/>
+      </a:hlink>
+      <a:folHlink>
+        <a:srgbClr val="551A8B"/>
+      </a:folHlink>
+    </a:clrScheme>
+    <a:fontScheme name="Office">
+      <a:majorFont>
+        <a:latin typeface="Arial"/>
+        <a:ea typeface=""/>
+        <a:cs typeface=""/>
+        <a:font script="Jpan" typeface="ＭＳ Ｐゴシック"/>
+        <a:font script="Hang" typeface="맑은 고딕"/>
+        <a:font script="Hans" typeface="宋体"/>
+        <a:font script="Hant" typeface="新細明體"/>
+        <a:font script="Arab" typeface="Times New Roman"/>
+        <a:font script="Hebr" typeface="Times New Roman"/>
+        <a:font script="Thai" typeface="Angsana New"/>
+        <a:font script="Ethi" typeface="Nyala"/>
+        <a:font script="Beng" typeface="Vrinda"/>
+        <a:font script="Gujr" typeface="Shruti"/>
+        <a:font script="Khmr" typeface="MoolBoran"/>
+        <a:font script="Knda" typeface="Tunga"/>
+        <a:font script="Guru" typeface="Raavi"/>
+        <a:font script="Cans" typeface="Euphemia"/>
+        <a:font script="Cher" typeface="Plantagenet Cherokee"/>
+        <a:font script="Yiii" typeface="Microsoft Yi Baiti"/>
+        <a:font script="Tibt" typeface="Microsoft Himalaya"/>
+        <a:font script="Thaa" typeface="MV Boli"/>
+        <a:font script="Deva" typeface="Mangal"/>
+        <a:font script="Telu" typeface="Gautami"/>
+        <a:font script="Taml" typeface="Latha"/>
+        <a:font script="Syrc" typeface="Estrangelo Edessa"/>
+        <a:font script="Orya" typeface="Kalinga"/>
+        <a:font script="Mlym" typeface="Kartika"/>
+        <a:font script="Laoo" typeface="DokChampa"/>
+        <a:font script="Sinh" typeface="Iskoola Pota"/>
+        <a:font script="Mong" typeface="Mongolian Baiti"/>
+        <a:font script="Viet" typeface="Times New Roman"/>
+        <a:font script="Uigh" typeface="Microsoft Uighur"/>
+        <a:font script="Geor" typeface="Sylfaen"/>
+      </a:majorFont>
+      <a:minorFont>
+        <a:latin typeface="Arial"/>
+        <a:ea typeface=""/>
+        <a:cs typeface=""/>
+        <a:font script="Jpan" typeface="ＭＳ Ｐゴシック"/>
+        <a:font script="Hang" typeface="맑은 고딕"/>
+        <a:font script="Hans" typeface="宋体"/>
+        <a:font script="Hant" typeface="新細明體"/>
+        <a:font script="Arab" typeface="Arial"/>
+        <a:font script="Hebr" typeface="Arial"/>
+        <a:font script="Thai" typeface="Cordia New"/>
+        <a:font script="Ethi" typeface="Nyala"/>
+        <a:font script="Beng" typeface="Vrinda"/>
+        <a:font script="Gujr" typeface="Shruti"/>
+        <a:font script="Khmr" typeface="DaunPenh"/>
+        <a:font script="Knda" typeface="Tunga"/>
+        <a:font script="Guru" typeface="Raavi"/>
+        <a:font script="Cans" typeface="Euphemia"/>
+        <a:font script="Cher" typeface="Plantagenet Cherokee"/>
+        <a:font script="Yiii" typeface="Microsoft Yi Baiti"/>
+        <a:font script="Tibt" typeface="Microsoft Himalaya"/>
+        <a:font script="Thaa" typeface="MV Boli"/>
+        <a:font script="Deva" typeface="Mangal"/>
+        <a:font script="Telu" typeface="Gautami"/>
+        <a:font script="Taml" typeface="Latha"/>
+        <a:font script="Syrc" typeface="Estrangelo Edessa"/>
+        <a:font script="Orya" typeface="Kalinga"/>
+        <a:font script="Mlym" typeface="Kartika"/>
+        <a:font script="Laoo" typeface="DokChampa"/>
+        <a:font script="Sinh" typeface="Iskoola Pota"/>
+        <a:font script="Mong" typeface="Mongolian Baiti"/>
+        <a:font script="Viet" typeface="Arial"/>
+        <a:font script="Uigh" typeface="Microsoft Uighur"/>
+        <a:font script="Geor" typeface="Sylfaen"/>
+      </a:minorFont>
+    </a:fontScheme>
+    <a:fmtScheme name="Office">
+      <a:fillStyleLst>
+        <a:solidFill>
+          <a:schemeClr val="phClr"/>
+        </a:solidFill>
+        <a:gradFill rotWithShape="1">
+          <a:gsLst>
+            <a:gs pos="0">
+              <a:schemeClr val="phClr">
+                <a:tint val="50000"/>
+                <a:satMod val="300000"/>
+              </a:schemeClr>
+            </a:gs>
+            <a:gs pos="35000">
+              <a:schemeClr val="phClr">
+                <a:tint val="37000"/>
+                <a:satMod val="300000"/>
+              </a:schemeClr>
+            </a:gs>
+            <a:gs pos="100000">
+              <a:schemeClr val="phClr">
+                <a:tint val="15000"/>
+                <a:satMod val="350000"/>
+              </a:schemeClr>
+            </a:gs>
+          </a:gsLst>
+          <a:lin ang="16200000" scaled="1"/>
+        </a:gradFill>
+        <a:gradFill rotWithShape="1">
+          <a:gsLst>
+            <a:gs pos="0">
+              <a:schemeClr val="phClr">
+                <a:tint val="100000"/>
+                <a:shade val="100000"/>
+                <a:satMod val="130000"/>
+              </a:schemeClr>
+            </a:gs>
+            <a:gs pos="100000">
+              <a:schemeClr val="phClr">
+                <a:tint val="50000"/>
+                <a:shade val="100000"/>
+                <a:satMod val="350000"/>
+              </a:schemeClr>
+            </a:gs>
+          </a:gsLst>
+          <a:lin ang="16200000" scaled="0"/>
+        </a:gradFill>
+      </a:fillStyleLst>
+      <a:lnStyleLst>
+        <a:ln w="9525" cap="flat" cmpd="sng" algn="ctr">
+          <a:solidFill>
+            <a:schemeClr val="phClr">
+              <a:shade val="95000"/>
+              <a:satMod val="105000"/>
+            </a:schemeClr>
+          </a:solidFill>
+          <a:prstDash val="solid"/>
+        </a:ln>
+        <a:ln w="25400" cap="flat" cmpd="sng" algn="ctr">
+          <a:solidFill>
+            <a:schemeClr val="phClr"/>
+          </a:solidFill>
+          <a:prstDash val="solid"/>
+        </a:ln>
+        <a:ln w="38100" cap="flat" cmpd="sng" algn="ctr">
+          <a:solidFill>
+            <a:schemeClr val="phClr"/>
+          </a:solidFill>
+          <a:prstDash val="solid"/>
+        </a:ln>
+      </a:lnStyleLst>
+      <a:effectStyleLst>
+        <a:effectStyle>
+          <a:effectLst>
+            <a:outerShdw blurRad="40000" dist="20000" dir="5400000" rotWithShape="0">
+              <a:srgbClr val="000000">
+                <a:alpha val="38000"/>
+              </a:srgbClr>
+            </a:outerShdw>
+          </a:effectLst>
+        </a:effectStyle>
+        <a:effectStyle>
+          <a:effectLst>
+            <a:outerShdw blurRad="40000" dist="23000" dir="5400000" rotWithShape="0">
+              <a:srgbClr val="000000">
+                <a:alpha val="35000"/>
+              </a:srgbClr>
+            </a:outerShdw>
+          </a:effectLst>
+        </a:effectStyle>
+        <a:effectStyle>
+          <a:effectLst>
+            <a:outerShdw blurRad="40000" dist="23000" dir="5400000" rotWithShape="0">
+              <a:srgbClr val="000000">
+                <a:alpha val="35000"/>
+              </a:srgbClr>
+            </a:outerShdw>
+          </a:effectLst>
+          <a:scene3d>
+            <a:camera prst="orthographicFront">
+              <a:rot lat="0" lon="0" rev="0"/>
+            </a:camera>
+            <a:lightRig rig="threePt" dir="t">
+              <a:rot lat="0" lon="0" rev="1200000"/>
+            </a:lightRig>
+          </a:scene3d>
+          <a:sp3d>
+            <a:bevelT w="63500" h="25400"/>
+          </a:sp3d>
+        </a:effectStyle>
+      </a:effectStyleLst>
+      <a:bgFillStyleLst>
+        <a:solidFill>
+          <a:schemeClr val="phClr"/>
+        </a:solidFill>
+        <a:gradFill rotWithShape="1">
+          <a:gsLst>
+            <a:gs pos="0">
+              <a:schemeClr val="phClr">
+                <a:tint val="40000"/>
+                <a:satMod val="350000"/>
+              </a:schemeClr>
+            </a:gs>
+            <a:gs pos="40000">
+              <a:schemeClr val="phClr">
+                <a:tint val="45000"/>
+                <a:shade val="99000"/>
+                <a:satMod val="350000"/>
+              </a:schemeClr>
+            </a:gs>
+            <a:gs pos="100000">
+              <a:schemeClr val="phClr">
+                <a:shade val="20000"/>
+                <a:satMod val="255000"/>
+              </a:schemeClr>
+            </a:gs>
+          </a:gsLst>
+          <a:path path="circle">
+            <a:fillToRect l="50000" t="-80000" r="50000" b="180000"/>
+          </a:path>
+        </a:gradFill>
+        <a:gradFill rotWithShape="1">
+          <a:gsLst>
+            <a:gs pos="0">
+              <a:schemeClr val="phClr">
+                <a:tint val="80000"/>
+                <a:satMod val="300000"/>
+              </a:schemeClr>
+            </a:gs>
+            <a:gs pos="100000">
+              <a:schemeClr val="phClr">
+                <a:shade val="30000"/>
+                <a:satMod val="200000"/>
+              </a:schemeClr>
+            </a:gs>
+          </a:gsLst>
+          <a:path path="circle">
+            <a:fillToRect l="50000" t="50000" r="50000" b="50000"/>
+          </a:path>
+        </a:gradFill>
+      </a:bgFillStyleLst>
+    </a:fmtScheme>
+  </a:themeElements>
+</a:theme>
+</file>
+
+<file path=ppt/theme/theme2.xml><?xml version="1.0" encoding="utf-8"?>
 <a:theme xmlns:a="http://schemas.openxmlformats.org/drawingml/2006/main" xmlns:r="http://schemas.openxmlformats.org/officeDocument/2006/relationships" name="Shift">
   <a:themeElements>
     <a:clrScheme name="Shift">
@@ -10672,283 +11424,4 @@
     </a:fmtScheme>
   </a:themeElements>
 </a:theme>
-</file>
-
-<file path=ppt/theme/theme2.xml><?xml version="1.0" encoding="utf-8"?>
-<a:theme xmlns:a="http://schemas.openxmlformats.org/drawingml/2006/main" xmlns:r="http://schemas.openxmlformats.org/officeDocument/2006/relationships">
-  <a:themeElements>
-    <a:clrScheme name="Default">
-      <a:dk1>
-        <a:srgbClr val="000000"/>
-      </a:dk1>
-      <a:lt1>
-        <a:srgbClr val="FFFFFF"/>
-      </a:lt1>
-      <a:dk2>
-        <a:srgbClr val="158158"/>
-      </a:dk2>
-      <a:lt2>
-        <a:srgbClr val="F3F3F3"/>
-      </a:lt2>
-      <a:accent1>
-        <a:srgbClr val="058DC7"/>
-      </a:accent1>
-      <a:accent2>
-        <a:srgbClr val="50B432"/>
-      </a:accent2>
-      <a:accent3>
-        <a:srgbClr val="ED561B"/>
-      </a:accent3>
-      <a:accent4>
-        <a:srgbClr val="EDEF00"/>
-      </a:accent4>
-      <a:accent5>
-        <a:srgbClr val="24CBE5"/>
-      </a:accent5>
-      <a:accent6>
-        <a:srgbClr val="64E572"/>
-      </a:accent6>
-      <a:hlink>
-        <a:srgbClr val="2200CC"/>
-      </a:hlink>
-      <a:folHlink>
-        <a:srgbClr val="551A8B"/>
-      </a:folHlink>
-    </a:clrScheme>
-    <a:fontScheme name="Office">
-      <a:majorFont>
-        <a:latin typeface="Arial"/>
-        <a:ea typeface=""/>
-        <a:cs typeface=""/>
-        <a:font script="Jpan" typeface="ＭＳ Ｐゴシック"/>
-        <a:font script="Hang" typeface="맑은 고딕"/>
-        <a:font script="Hans" typeface="宋体"/>
-        <a:font script="Hant" typeface="新細明體"/>
-        <a:font script="Arab" typeface="Times New Roman"/>
-        <a:font script="Hebr" typeface="Times New Roman"/>
-        <a:font script="Thai" typeface="Angsana New"/>
-        <a:font script="Ethi" typeface="Nyala"/>
-        <a:font script="Beng" typeface="Vrinda"/>
-        <a:font script="Gujr" typeface="Shruti"/>
-        <a:font script="Khmr" typeface="MoolBoran"/>
-        <a:font script="Knda" typeface="Tunga"/>
-        <a:font script="Guru" typeface="Raavi"/>
-        <a:font script="Cans" typeface="Euphemia"/>
-        <a:font script="Cher" typeface="Plantagenet Cherokee"/>
-        <a:font script="Yiii" typeface="Microsoft Yi Baiti"/>
-        <a:font script="Tibt" typeface="Microsoft Himalaya"/>
-        <a:font script="Thaa" typeface="MV Boli"/>
-        <a:font script="Deva" typeface="Mangal"/>
-        <a:font script="Telu" typeface="Gautami"/>
-        <a:font script="Taml" typeface="Latha"/>
-        <a:font script="Syrc" typeface="Estrangelo Edessa"/>
-        <a:font script="Orya" typeface="Kalinga"/>
-        <a:font script="Mlym" typeface="Kartika"/>
-        <a:font script="Laoo" typeface="DokChampa"/>
-        <a:font script="Sinh" typeface="Iskoola Pota"/>
-        <a:font script="Mong" typeface="Mongolian Baiti"/>
-        <a:font script="Viet" typeface="Times New Roman"/>
-        <a:font script="Uigh" typeface="Microsoft Uighur"/>
-        <a:font script="Geor" typeface="Sylfaen"/>
-      </a:majorFont>
-      <a:minorFont>
-        <a:latin typeface="Arial"/>
-        <a:ea typeface=""/>
-        <a:cs typeface=""/>
-        <a:font script="Jpan" typeface="ＭＳ Ｐゴシック"/>
-        <a:font script="Hang" typeface="맑은 고딕"/>
-        <a:font script="Hans" typeface="宋体"/>
-        <a:font script="Hant" typeface="新細明體"/>
-        <a:font script="Arab" typeface="Arial"/>
-        <a:font script="Hebr" typeface="Arial"/>
-        <a:font script="Thai" typeface="Cordia New"/>
-        <a:font script="Ethi" typeface="Nyala"/>
-        <a:font script="Beng" typeface="Vrinda"/>
-        <a:font script="Gujr" typeface="Shruti"/>
-        <a:font script="Khmr" typeface="DaunPenh"/>
-        <a:font script="Knda" typeface="Tunga"/>
-        <a:font script="Guru" typeface="Raavi"/>
-        <a:font script="Cans" typeface="Euphemia"/>
-        <a:font script="Cher" typeface="Plantagenet Cherokee"/>
-        <a:font script="Yiii" typeface="Microsoft Yi Baiti"/>
-        <a:font script="Tibt" typeface="Microsoft Himalaya"/>
-        <a:font script="Thaa" typeface="MV Boli"/>
-        <a:font script="Deva" typeface="Mangal"/>
-        <a:font script="Telu" typeface="Gautami"/>
-        <a:font script="Taml" typeface="Latha"/>
-        <a:font script="Syrc" typeface="Estrangelo Edessa"/>
-        <a:font script="Orya" typeface="Kalinga"/>
-        <a:font script="Mlym" typeface="Kartika"/>
-        <a:font script="Laoo" typeface="DokChampa"/>
-        <a:font script="Sinh" typeface="Iskoola Pota"/>
-        <a:font script="Mong" typeface="Mongolian Baiti"/>
-        <a:font script="Viet" typeface="Arial"/>
-        <a:font script="Uigh" typeface="Microsoft Uighur"/>
-        <a:font script="Geor" typeface="Sylfaen"/>
-      </a:minorFont>
-    </a:fontScheme>
-    <a:fmtScheme name="Office">
-      <a:fillStyleLst>
-        <a:solidFill>
-          <a:schemeClr val="phClr"/>
-        </a:solidFill>
-        <a:gradFill rotWithShape="1">
-          <a:gsLst>
-            <a:gs pos="0">
-              <a:schemeClr val="phClr">
-                <a:tint val="50000"/>
-                <a:satMod val="300000"/>
-              </a:schemeClr>
-            </a:gs>
-            <a:gs pos="35000">
-              <a:schemeClr val="phClr">
-                <a:tint val="37000"/>
-                <a:satMod val="300000"/>
-              </a:schemeClr>
-            </a:gs>
-            <a:gs pos="100000">
-              <a:schemeClr val="phClr">
-                <a:tint val="15000"/>
-                <a:satMod val="350000"/>
-              </a:schemeClr>
-            </a:gs>
-          </a:gsLst>
-          <a:lin ang="16200000" scaled="1"/>
-        </a:gradFill>
-        <a:gradFill rotWithShape="1">
-          <a:gsLst>
-            <a:gs pos="0">
-              <a:schemeClr val="phClr">
-                <a:tint val="100000"/>
-                <a:shade val="100000"/>
-                <a:satMod val="130000"/>
-              </a:schemeClr>
-            </a:gs>
-            <a:gs pos="100000">
-              <a:schemeClr val="phClr">
-                <a:tint val="50000"/>
-                <a:shade val="100000"/>
-                <a:satMod val="350000"/>
-              </a:schemeClr>
-            </a:gs>
-          </a:gsLst>
-          <a:lin ang="16200000" scaled="0"/>
-        </a:gradFill>
-      </a:fillStyleLst>
-      <a:lnStyleLst>
-        <a:ln w="9525" cap="flat" cmpd="sng" algn="ctr">
-          <a:solidFill>
-            <a:schemeClr val="phClr">
-              <a:shade val="95000"/>
-              <a:satMod val="105000"/>
-            </a:schemeClr>
-          </a:solidFill>
-          <a:prstDash val="solid"/>
-        </a:ln>
-        <a:ln w="25400" cap="flat" cmpd="sng" algn="ctr">
-          <a:solidFill>
-            <a:schemeClr val="phClr"/>
-          </a:solidFill>
-          <a:prstDash val="solid"/>
-        </a:ln>
-        <a:ln w="38100" cap="flat" cmpd="sng" algn="ctr">
-          <a:solidFill>
-            <a:schemeClr val="phClr"/>
-          </a:solidFill>
-          <a:prstDash val="solid"/>
-        </a:ln>
-      </a:lnStyleLst>
-      <a:effectStyleLst>
-        <a:effectStyle>
-          <a:effectLst>
-            <a:outerShdw blurRad="40000" dist="20000" dir="5400000" rotWithShape="0">
-              <a:srgbClr val="000000">
-                <a:alpha val="38000"/>
-              </a:srgbClr>
-            </a:outerShdw>
-          </a:effectLst>
-        </a:effectStyle>
-        <a:effectStyle>
-          <a:effectLst>
-            <a:outerShdw blurRad="40000" dist="23000" dir="5400000" rotWithShape="0">
-              <a:srgbClr val="000000">
-                <a:alpha val="35000"/>
-              </a:srgbClr>
-            </a:outerShdw>
-          </a:effectLst>
-        </a:effectStyle>
-        <a:effectStyle>
-          <a:effectLst>
-            <a:outerShdw blurRad="40000" dist="23000" dir="5400000" rotWithShape="0">
-              <a:srgbClr val="000000">
-                <a:alpha val="35000"/>
-              </a:srgbClr>
-            </a:outerShdw>
-          </a:effectLst>
-          <a:scene3d>
-            <a:camera prst="orthographicFront">
-              <a:rot lat="0" lon="0" rev="0"/>
-            </a:camera>
-            <a:lightRig rig="threePt" dir="t">
-              <a:rot lat="0" lon="0" rev="1200000"/>
-            </a:lightRig>
-          </a:scene3d>
-          <a:sp3d>
-            <a:bevelT w="63500" h="25400"/>
-          </a:sp3d>
-        </a:effectStyle>
-      </a:effectStyleLst>
-      <a:bgFillStyleLst>
-        <a:solidFill>
-          <a:schemeClr val="phClr"/>
-        </a:solidFill>
-        <a:gradFill rotWithShape="1">
-          <a:gsLst>
-            <a:gs pos="0">
-              <a:schemeClr val="phClr">
-                <a:tint val="40000"/>
-                <a:satMod val="350000"/>
-              </a:schemeClr>
-            </a:gs>
-            <a:gs pos="40000">
-              <a:schemeClr val="phClr">
-                <a:tint val="45000"/>
-                <a:shade val="99000"/>
-                <a:satMod val="350000"/>
-              </a:schemeClr>
-            </a:gs>
-            <a:gs pos="100000">
-              <a:schemeClr val="phClr">
-                <a:shade val="20000"/>
-                <a:satMod val="255000"/>
-              </a:schemeClr>
-            </a:gs>
-          </a:gsLst>
-          <a:path path="circle">
-            <a:fillToRect l="50000" t="-80000" r="50000" b="180000"/>
-          </a:path>
-        </a:gradFill>
-        <a:gradFill rotWithShape="1">
-          <a:gsLst>
-            <a:gs pos="0">
-              <a:schemeClr val="phClr">
-                <a:tint val="80000"/>
-                <a:satMod val="300000"/>
-              </a:schemeClr>
-            </a:gs>
-            <a:gs pos="100000">
-              <a:schemeClr val="phClr">
-                <a:shade val="30000"/>
-                <a:satMod val="200000"/>
-              </a:schemeClr>
-            </a:gs>
-          </a:gsLst>
-          <a:path path="circle">
-            <a:fillToRect l="50000" t="50000" r="50000" b="50000"/>
-          </a:path>
-        </a:gradFill>
-      </a:bgFillStyleLst>
-    </a:fmtScheme>
-  </a:themeElements>
-</a:theme>
 </file>